--- a/Page de modification de mot de passe MANTIS v2.pptx
+++ b/Page de modification de mot de passe MANTIS v2.pptx
@@ -7328,11 +7328,11 @@
   <p:clrMapOvr>
     <a:masterClrMapping/>
   </p:clrMapOvr>
-  <mc:AlternateContent xmlns:mc="http://schemas.openxmlformats.org/markup-compatibility/2006" xmlns:p14="http://schemas.microsoft.com/office/powerpoint/2010/main">
-    <mc:Choice Requires="p14">
-      <p:transition p14:dur="0"/>
+  <mc:AlternateContent xmlns:mc="http://schemas.openxmlformats.org/markup-compatibility/2006">
+    <mc:Choice xmlns:p14="http://schemas.microsoft.com/office/powerpoint/2010/main" Requires="p14">
+      <p:transition p14:dur="10"/>
     </mc:Choice>
-    <mc:Fallback xmlns="">
+    <mc:Fallback>
       <p:transition/>
     </mc:Fallback>
   </mc:AlternateContent>
@@ -7850,7 +7850,7 @@
             <a:pPr lvl="1"/>
             <a:r>
               <a:rPr lang="fr-FR" sz="1400" dirty="0"/>
-              <a:t>sera développé en Java,</a:t>
+              <a:t>sera développée en Java,</a:t>
             </a:r>
           </a:p>
           <a:p>
@@ -8326,7 +8326,7 @@
         </p:blipFill>
         <p:spPr>
           <a:xfrm>
-            <a:off x="2024062" y="2814152"/>
+            <a:off x="2024062" y="2909402"/>
             <a:ext cx="5229225" cy="3948598"/>
           </a:xfrm>
           <a:prstGeom prst="rect">
@@ -8350,8 +8350,8 @@
         </p:nvSpPr>
         <p:spPr bwMode="auto">
           <a:xfrm>
-            <a:off x="1614488" y="1079148"/>
-            <a:ext cx="6867525" cy="1815882"/>
+            <a:off x="1625600" y="1355985"/>
+            <a:ext cx="6867525" cy="1646605"/>
           </a:xfrm>
           <a:custGeom>
             <a:avLst/>
@@ -8627,13 +8627,13 @@
               <a:buChar char="§"/>
             </a:pPr>
             <a:r>
-              <a:rPr lang="fr-FR" altLang="fr-FR" sz="1600" dirty="0">
+              <a:rPr lang="fr-FR" altLang="fr-FR" sz="1400" dirty="0">
                 <a:latin typeface="Verdana" pitchFamily="34" charset="0"/>
               </a:rPr>
               <a:t>Je suis sur la page de connexion de </a:t>
             </a:r>
             <a:r>
-              <a:rPr lang="fr-FR" altLang="fr-FR" sz="1600" b="1" dirty="0">
+              <a:rPr lang="fr-FR" altLang="fr-FR" sz="1400" b="1" dirty="0">
                 <a:solidFill>
                   <a:srgbClr val="006095"/>
                 </a:solidFill>
@@ -8642,7 +8642,7 @@
               <a:t>MANTIS</a:t>
             </a:r>
             <a:r>
-              <a:rPr lang="fr-FR" altLang="fr-FR" sz="1600" dirty="0">
+              <a:rPr lang="fr-FR" altLang="fr-FR" sz="1400" dirty="0">
                 <a:latin typeface="Verdana" pitchFamily="34" charset="0"/>
               </a:rPr>
               <a:t>,</a:t>
@@ -8660,7 +8660,7 @@
               <a:buChar char="§"/>
             </a:pPr>
             <a:r>
-              <a:rPr lang="fr-FR" altLang="fr-FR" sz="1600" dirty="0">
+              <a:rPr lang="fr-FR" altLang="fr-FR" sz="1400" dirty="0">
                 <a:latin typeface="Verdana" pitchFamily="34" charset="0"/>
               </a:rPr>
               <a:t>J’ai oublié mon mot de passe,</a:t>
@@ -8678,19 +8678,19 @@
               <a:buChar char="§"/>
             </a:pPr>
             <a:r>
-              <a:rPr lang="fr-FR" altLang="fr-FR" sz="1600" dirty="0">
+              <a:rPr lang="fr-FR" altLang="fr-FR" sz="1400" dirty="0">
                 <a:latin typeface="Verdana" pitchFamily="34" charset="0"/>
               </a:rPr>
               <a:t>Je clique sur le bouton </a:t>
             </a:r>
             <a:r>
-              <a:rPr lang="fr-FR" altLang="fr-FR" sz="1600" i="1" u="sng" dirty="0">
+              <a:rPr lang="fr-FR" altLang="fr-FR" sz="1400" i="1" u="sng" dirty="0">
                 <a:latin typeface="Verdana" pitchFamily="34" charset="0"/>
               </a:rPr>
               <a:t>Mot de passe oublié ?</a:t>
             </a:r>
             <a:r>
-              <a:rPr lang="fr-FR" altLang="fr-FR" sz="1600" dirty="0">
+              <a:rPr lang="fr-FR" altLang="fr-FR" sz="1400" dirty="0">
                 <a:latin typeface="Verdana" pitchFamily="34" charset="0"/>
               </a:rPr>
               <a:t>,</a:t>
@@ -8708,7 +8708,7 @@
               <a:buChar char="§"/>
             </a:pPr>
             <a:r>
-              <a:rPr lang="fr-FR" altLang="fr-FR" sz="1600" dirty="0">
+              <a:rPr lang="fr-FR" altLang="fr-FR" sz="1400" dirty="0">
                 <a:latin typeface="Verdana" pitchFamily="34" charset="0"/>
               </a:rPr>
               <a:t>Je suis redirigé vers la page de demande de l’adresse mail.</a:t>
@@ -9207,7 +9207,7 @@
         <p:spPr bwMode="auto">
           <a:xfrm>
             <a:off x="1738313" y="1475978"/>
-            <a:ext cx="6867525" cy="3662541"/>
+            <a:ext cx="6867525" cy="3216265"/>
           </a:xfrm>
           <a:prstGeom prst="rect">
             <a:avLst/>
@@ -9382,13 +9382,13 @@
               <a:buChar char="§"/>
             </a:pPr>
             <a:r>
-              <a:rPr lang="fr-FR" altLang="fr-FR" sz="1600" dirty="0">
+              <a:rPr lang="fr-FR" altLang="fr-FR" sz="1400" dirty="0">
                 <a:latin typeface="Verdana" pitchFamily="34" charset="0"/>
               </a:rPr>
               <a:t>Je suis sur une page me demandant mon </a:t>
             </a:r>
             <a:r>
-              <a:rPr lang="fr-FR" altLang="fr-FR" sz="1600" b="1" dirty="0">
+              <a:rPr lang="fr-FR" altLang="fr-FR" sz="1400" b="1" dirty="0">
                 <a:solidFill>
                   <a:srgbClr val="006095"/>
                 </a:solidFill>
@@ -9397,7 +9397,7 @@
               <a:t>adresse mail</a:t>
             </a:r>
             <a:r>
-              <a:rPr lang="fr-FR" altLang="fr-FR" sz="1600" dirty="0">
+              <a:rPr lang="fr-FR" altLang="fr-FR" sz="1400" dirty="0">
                 <a:latin typeface="Verdana" pitchFamily="34" charset="0"/>
               </a:rPr>
               <a:t>,</a:t>
@@ -9415,7 +9415,7 @@
               <a:buChar char="§"/>
             </a:pPr>
             <a:r>
-              <a:rPr lang="fr-FR" altLang="fr-FR" sz="1600" dirty="0">
+              <a:rPr lang="fr-FR" altLang="fr-FR" sz="1400" dirty="0">
                 <a:latin typeface="Verdana" pitchFamily="34" charset="0"/>
               </a:rPr>
               <a:t>Je rentre mon adresse mail,</a:t>
@@ -9433,19 +9433,19 @@
               <a:buChar char="§"/>
             </a:pPr>
             <a:r>
-              <a:rPr lang="fr-FR" altLang="fr-FR" sz="1600" dirty="0">
+              <a:rPr lang="fr-FR" altLang="fr-FR" sz="1400" dirty="0">
                 <a:latin typeface="Verdana" pitchFamily="34" charset="0"/>
               </a:rPr>
               <a:t>Je clique sur le bouton </a:t>
             </a:r>
             <a:r>
-              <a:rPr lang="fr-FR" altLang="fr-FR" sz="1600" i="1" u="sng" dirty="0">
+              <a:rPr lang="fr-FR" altLang="fr-FR" sz="1400" i="1" u="sng" dirty="0">
                 <a:latin typeface="Verdana" pitchFamily="34" charset="0"/>
               </a:rPr>
               <a:t>Envoyer</a:t>
             </a:r>
             <a:r>
-              <a:rPr lang="fr-FR" altLang="fr-FR" sz="1600" dirty="0">
+              <a:rPr lang="fr-FR" altLang="fr-FR" sz="1400" dirty="0">
                 <a:latin typeface="Verdana" pitchFamily="34" charset="0"/>
               </a:rPr>
               <a:t>.</a:t>
@@ -9463,10 +9463,10 @@
               <a:buChar char="§"/>
             </a:pPr>
             <a:r>
-              <a:rPr lang="fr-FR" altLang="fr-FR" sz="1600" dirty="0">
+              <a:rPr lang="fr-FR" altLang="fr-FR" sz="1400" dirty="0">
                 <a:latin typeface="Verdana" pitchFamily="34" charset="0"/>
               </a:rPr>
-              <a:t>Si mon adresse mail existe sur MANTIS et que je suis externe:</a:t>
+              <a:t>Si mon adresse mail existe sur l’annuaire et que je suis externe:</a:t>
             </a:r>
           </a:p>
           <a:p>
@@ -9481,7 +9481,7 @@
               <a:buChar char="§"/>
             </a:pPr>
             <a:r>
-              <a:rPr lang="fr-FR" altLang="fr-FR" sz="1600" dirty="0">
+              <a:rPr lang="fr-FR" altLang="fr-FR" sz="1400" dirty="0">
                 <a:latin typeface="Verdana" pitchFamily="34" charset="0"/>
               </a:rPr>
               <a:t>Je reçois un mail avec le lien me permettant de réinitialiser mon mot de passe.</a:t>
@@ -9499,7 +9499,7 @@
               <a:buChar char="§"/>
             </a:pPr>
             <a:r>
-              <a:rPr lang="fr-FR" altLang="fr-FR" sz="1600" dirty="0">
+              <a:rPr lang="fr-FR" altLang="fr-FR" sz="1400" dirty="0">
                 <a:latin typeface="Verdana" pitchFamily="34" charset="0"/>
               </a:rPr>
               <a:t>Ce lien possèdera un jeton qui permettra de limiter la validité du lien.</a:t>
@@ -9517,7 +9517,7 @@
               <a:buChar char="§"/>
             </a:pPr>
             <a:r>
-              <a:rPr lang="fr-FR" altLang="fr-FR" sz="1600" dirty="0">
+              <a:rPr lang="fr-FR" altLang="fr-FR" sz="1400" dirty="0">
                 <a:latin typeface="Verdana" pitchFamily="34" charset="0"/>
               </a:rPr>
               <a:t>Sinon:</a:t>
@@ -9535,11 +9535,20 @@
               <a:buChar char="§"/>
             </a:pPr>
             <a:r>
-              <a:rPr lang="fr-FR" altLang="fr-FR" sz="1600" dirty="0">
+              <a:rPr lang="fr-FR" altLang="fr-FR" sz="1400" dirty="0">
                 <a:latin typeface="Verdana" pitchFamily="34" charset="0"/>
               </a:rPr>
-              <a:t>Retourne un message d’erreur ne précisant pas d’informations à propos de l’adresse mail.</a:t>
-            </a:r>
+              <a:t>Retourne un message d’erreur ne précisant pas d’informations à propos de l’adresse mail et je dois </a:t>
+            </a:r>
+            <a:r>
+              <a:rPr lang="fr-FR" altLang="fr-FR" sz="1400">
+                <a:latin typeface="Verdana" pitchFamily="34" charset="0"/>
+              </a:rPr>
+              <a:t>ressaisir l’adresse mail.</a:t>
+            </a:r>
+            <a:endParaRPr lang="fr-FR" altLang="fr-FR" sz="1400" dirty="0">
+              <a:latin typeface="Verdana" pitchFamily="34" charset="0"/>
+            </a:endParaRPr>
           </a:p>
         </p:txBody>
       </p:sp>
@@ -10034,7 +10043,7 @@
         <p:spPr bwMode="auto">
           <a:xfrm>
             <a:off x="1646049" y="1486284"/>
-            <a:ext cx="6867525" cy="3662541"/>
+            <a:ext cx="6867525" cy="3000821"/>
           </a:xfrm>
           <a:prstGeom prst="rect">
             <a:avLst/>
@@ -10209,13 +10218,13 @@
               <a:buChar char="§"/>
             </a:pPr>
             <a:r>
-              <a:rPr lang="fr-FR" altLang="fr-FR" sz="1600" dirty="0">
+              <a:rPr lang="fr-FR" altLang="fr-FR" sz="1400" dirty="0">
                 <a:latin typeface="Verdana" pitchFamily="34" charset="0"/>
               </a:rPr>
               <a:t>Je suis sur une page me demandant mon </a:t>
             </a:r>
             <a:r>
-              <a:rPr lang="fr-FR" altLang="fr-FR" sz="1600" b="1" dirty="0">
+              <a:rPr lang="fr-FR" altLang="fr-FR" sz="1400" b="1" dirty="0">
                 <a:solidFill>
                   <a:srgbClr val="006095"/>
                 </a:solidFill>
@@ -10224,7 +10233,7 @@
               <a:t>nouveau mot de passe</a:t>
             </a:r>
             <a:r>
-              <a:rPr lang="fr-FR" altLang="fr-FR" sz="1600" dirty="0">
+              <a:rPr lang="fr-FR" altLang="fr-FR" sz="1400" dirty="0">
                 <a:latin typeface="Verdana" pitchFamily="34" charset="0"/>
               </a:rPr>
               <a:t>,</a:t>
@@ -10242,7 +10251,7 @@
               <a:buChar char="§"/>
             </a:pPr>
             <a:r>
-              <a:rPr lang="fr-FR" altLang="fr-FR" sz="1600" dirty="0">
+              <a:rPr lang="fr-FR" altLang="fr-FR" sz="1400" dirty="0">
                 <a:latin typeface="Verdana" pitchFamily="34" charset="0"/>
               </a:rPr>
               <a:t>Je rentre mon nouveau mot de passe,</a:t>
@@ -10260,7 +10269,7 @@
               <a:buChar char="§"/>
             </a:pPr>
             <a:r>
-              <a:rPr lang="fr-FR" altLang="fr-FR" sz="1600" dirty="0">
+              <a:rPr lang="fr-FR" altLang="fr-FR" sz="1400" dirty="0">
                 <a:latin typeface="Verdana" pitchFamily="34" charset="0"/>
               </a:rPr>
               <a:t>Je confirme mon nouveau mot de passe, </a:t>
@@ -10278,19 +10287,19 @@
               <a:buChar char="§"/>
             </a:pPr>
             <a:r>
-              <a:rPr lang="fr-FR" altLang="fr-FR" sz="1600" dirty="0">
+              <a:rPr lang="fr-FR" altLang="fr-FR" sz="1400" dirty="0">
                 <a:latin typeface="Verdana" pitchFamily="34" charset="0"/>
               </a:rPr>
               <a:t>Je clique sur le bouton </a:t>
             </a:r>
             <a:r>
-              <a:rPr lang="fr-FR" altLang="fr-FR" sz="1600" i="1" u="sng" dirty="0">
+              <a:rPr lang="fr-FR" altLang="fr-FR" sz="1400" i="1" u="sng" dirty="0">
                 <a:latin typeface="Verdana" pitchFamily="34" charset="0"/>
               </a:rPr>
               <a:t>Envoyer</a:t>
             </a:r>
             <a:r>
-              <a:rPr lang="fr-FR" altLang="fr-FR" sz="1600" dirty="0">
+              <a:rPr lang="fr-FR" altLang="fr-FR" sz="1400" dirty="0">
                 <a:latin typeface="Verdana" pitchFamily="34" charset="0"/>
               </a:rPr>
               <a:t>.</a:t>
@@ -10308,7 +10317,7 @@
               <a:buChar char="§"/>
             </a:pPr>
             <a:r>
-              <a:rPr lang="fr-FR" altLang="fr-FR" sz="1600" dirty="0">
+              <a:rPr lang="fr-FR" altLang="fr-FR" sz="1400" dirty="0">
                 <a:latin typeface="Verdana" pitchFamily="34" charset="0"/>
               </a:rPr>
               <a:t>Si la confirmation est identique au nouveau mot de passe et que les règles de sécurité sont confirmées:</a:t>
@@ -10326,7 +10335,7 @@
               <a:buChar char="§"/>
             </a:pPr>
             <a:r>
-              <a:rPr lang="fr-FR" altLang="fr-FR" sz="1600" dirty="0">
+              <a:rPr lang="fr-FR" altLang="fr-FR" sz="1400" dirty="0">
                 <a:latin typeface="Verdana" pitchFamily="34" charset="0"/>
               </a:rPr>
               <a:t>Mon mot de passe est modifié sur l’annuaire et je suis redirigé vers la page de connexion de MANTIS.</a:t>
@@ -10344,7 +10353,7 @@
               <a:buChar char="§"/>
             </a:pPr>
             <a:r>
-              <a:rPr lang="fr-FR" altLang="fr-FR" sz="1600" dirty="0">
+              <a:rPr lang="fr-FR" altLang="fr-FR" sz="1400" dirty="0">
                 <a:latin typeface="Verdana" pitchFamily="34" charset="0"/>
               </a:rPr>
               <a:t>Sinon:</a:t>
@@ -10362,7 +10371,7 @@
               <a:buChar char="§"/>
             </a:pPr>
             <a:r>
-              <a:rPr lang="fr-FR" altLang="fr-FR" sz="1600" dirty="0">
+              <a:rPr lang="fr-FR" altLang="fr-FR" sz="1400" dirty="0">
                 <a:latin typeface="Verdana" pitchFamily="34" charset="0"/>
               </a:rPr>
               <a:t>Je dois ressaisir les données.</a:t>
